--- a/summary (final).pptx
+++ b/summary (final).pptx
@@ -3366,14 +3366,14 @@
           <a:lstStyle/>
           <a:p>
             <a:r>
-              <a:rPr lang="en-US" dirty="0" smtClean="0">
+              <a:rPr lang="en-US" dirty="0">
                 <a:latin typeface="Times New Roman" panose="02020603050405020304" pitchFamily="18" charset="0"/>
                 <a:cs typeface="Times New Roman" panose="02020603050405020304" pitchFamily="18" charset="0"/>
               </a:rPr>
               <a:t>Summary</a:t>
             </a:r>
             <a:r>
-              <a:rPr lang="ru-RU" dirty="0" smtClean="0">
+              <a:rPr lang="ru-RU" dirty="0">
                 <a:latin typeface="Times New Roman" panose="02020603050405020304" pitchFamily="18" charset="0"/>
                 <a:cs typeface="Times New Roman" panose="02020603050405020304" pitchFamily="18" charset="0"/>
               </a:rPr>
@@ -3421,13 +3421,6 @@
   <p:clrMapOvr>
     <a:masterClrMapping/>
   </p:clrMapOvr>
-  <p:timing>
-    <p:tnLst>
-      <p:par>
-        <p:cTn id="1" dur="indefinite" restart="never" nodeType="tmRoot"/>
-      </p:par>
-    </p:tnLst>
-  </p:timing>
 </p:sld>
 </file>
 
@@ -3921,13 +3914,6 @@
   <p:clrMapOvr>
     <a:masterClrMapping/>
   </p:clrMapOvr>
-  <p:timing>
-    <p:tnLst>
-      <p:par>
-        <p:cTn id="1" dur="indefinite" restart="never" nodeType="tmRoot"/>
-      </p:par>
-    </p:tnLst>
-  </p:timing>
 </p:sld>
 </file>
 
@@ -4264,13 +4250,6 @@
   <p:clrMapOvr>
     <a:masterClrMapping/>
   </p:clrMapOvr>
-  <p:timing>
-    <p:tnLst>
-      <p:par>
-        <p:cTn id="1" dur="indefinite" restart="never" nodeType="tmRoot"/>
-      </p:par>
-    </p:tnLst>
-  </p:timing>
 </p:sld>
 </file>
 
@@ -4600,13 +4579,6 @@
   <p:clrMapOvr>
     <a:masterClrMapping/>
   </p:clrMapOvr>
-  <p:timing>
-    <p:tnLst>
-      <p:par>
-        <p:cTn id="1" dur="indefinite" restart="never" nodeType="tmRoot"/>
-      </p:par>
-    </p:tnLst>
-  </p:timing>
 </p:sld>
 </file>
 
@@ -4657,10 +4629,9 @@
               <a:buNone/>
             </a:pPr>
             <a:r>
-              <a:rPr lang="en-US" dirty="0" smtClean="0"/>
+              <a:rPr lang="en-US" dirty="0"/>
               <a:t> </a:t>
             </a:r>
-            <a:endParaRPr lang="en-US" dirty="0"/>
           </a:p>
         </p:txBody>
       </p:sp>
@@ -6231,16 +6202,12 @@
           <a:p>
             <a:pPr algn="ctr"/>
             <a:r>
-              <a:rPr lang="en-US" sz="1400" dirty="0" smtClean="0">
+              <a:rPr lang="en-US" sz="1400" dirty="0">
                 <a:latin typeface="Times New Roman" panose="02020603050405020304" pitchFamily="18" charset="0"/>
                 <a:cs typeface="Times New Roman" panose="02020603050405020304" pitchFamily="18" charset="0"/>
               </a:rPr>
               <a:t>Regression problem</a:t>
             </a:r>
-            <a:endParaRPr lang="en-US" sz="1400" dirty="0">
-              <a:latin typeface="Times New Roman" panose="02020603050405020304" pitchFamily="18" charset="0"/>
-              <a:cs typeface="Times New Roman" panose="02020603050405020304" pitchFamily="18" charset="0"/>
-            </a:endParaRPr>
           </a:p>
         </p:txBody>
       </p:sp>
@@ -6274,16 +6241,12 @@
           <a:p>
             <a:pPr algn="ctr"/>
             <a:r>
-              <a:rPr lang="en-US" sz="1400" dirty="0" smtClean="0">
+              <a:rPr lang="en-US" sz="1400" dirty="0">
                 <a:latin typeface="Times New Roman" panose="02020603050405020304" pitchFamily="18" charset="0"/>
                 <a:cs typeface="Times New Roman" panose="02020603050405020304" pitchFamily="18" charset="0"/>
               </a:rPr>
               <a:t>Classification problem</a:t>
             </a:r>
-            <a:endParaRPr lang="en-US" sz="1400" dirty="0">
-              <a:latin typeface="Times New Roman" panose="02020603050405020304" pitchFamily="18" charset="0"/>
-              <a:cs typeface="Times New Roman" panose="02020603050405020304" pitchFamily="18" charset="0"/>
-            </a:endParaRPr>
           </a:p>
         </p:txBody>
       </p:sp>
@@ -6317,16 +6280,12 @@
           <a:p>
             <a:pPr algn="ctr"/>
             <a:r>
-              <a:rPr lang="en-US" sz="1400" dirty="0" smtClean="0">
+              <a:rPr lang="en-US" sz="1400" dirty="0">
                 <a:latin typeface="Times New Roman" panose="02020603050405020304" pitchFamily="18" charset="0"/>
                 <a:cs typeface="Times New Roman" panose="02020603050405020304" pitchFamily="18" charset="0"/>
               </a:rPr>
               <a:t>Clustering problem</a:t>
             </a:r>
-            <a:endParaRPr lang="en-US" sz="1400" dirty="0">
-              <a:latin typeface="Times New Roman" panose="02020603050405020304" pitchFamily="18" charset="0"/>
-              <a:cs typeface="Times New Roman" panose="02020603050405020304" pitchFamily="18" charset="0"/>
-            </a:endParaRPr>
           </a:p>
         </p:txBody>
       </p:sp>
@@ -6360,16 +6319,12 @@
           <a:p>
             <a:pPr algn="ctr"/>
             <a:r>
-              <a:rPr lang="en-US" sz="1400" dirty="0" smtClean="0">
+              <a:rPr lang="en-US" sz="1400" dirty="0">
                 <a:latin typeface="Times New Roman" panose="02020603050405020304" pitchFamily="18" charset="0"/>
                 <a:cs typeface="Times New Roman" panose="02020603050405020304" pitchFamily="18" charset="0"/>
               </a:rPr>
               <a:t>Dimension reduction</a:t>
             </a:r>
-            <a:endParaRPr lang="en-US" sz="1400" dirty="0">
-              <a:latin typeface="Times New Roman" panose="02020603050405020304" pitchFamily="18" charset="0"/>
-              <a:cs typeface="Times New Roman" panose="02020603050405020304" pitchFamily="18" charset="0"/>
-            </a:endParaRPr>
           </a:p>
         </p:txBody>
       </p:sp>
@@ -6907,18 +6862,11 @@
           <a:p>
             <a:pPr algn="ctr"/>
             <a:r>
-              <a:rPr lang="en-US" sz="1400" dirty="0" smtClean="0">
-                <a:latin typeface="Times New Roman" panose="02020603050405020304" pitchFamily="18" charset="0"/>
-                <a:cs typeface="Times New Roman" panose="02020603050405020304" pitchFamily="18" charset="0"/>
-              </a:rPr>
-              <a:t>Regression </a:t>
-            </a:r>
-            <a:r>
               <a:rPr lang="en-US" sz="1400" dirty="0">
                 <a:latin typeface="Times New Roman" panose="02020603050405020304" pitchFamily="18" charset="0"/>
                 <a:cs typeface="Times New Roman" panose="02020603050405020304" pitchFamily="18" charset="0"/>
               </a:rPr>
-              <a:t>models </a:t>
+              <a:t>Regression models </a:t>
             </a:r>
           </a:p>
         </p:txBody>
@@ -6992,18 +6940,11 @@
           <a:p>
             <a:pPr algn="ctr"/>
             <a:r>
-              <a:rPr lang="en-US" sz="1400" dirty="0" smtClean="0">
-                <a:latin typeface="Times New Roman" panose="02020603050405020304" pitchFamily="18" charset="0"/>
-                <a:cs typeface="Times New Roman" panose="02020603050405020304" pitchFamily="18" charset="0"/>
-              </a:rPr>
-              <a:t>Decision Tree </a:t>
-            </a:r>
-            <a:r>
               <a:rPr lang="en-US" sz="1400" dirty="0">
                 <a:latin typeface="Times New Roman" panose="02020603050405020304" pitchFamily="18" charset="0"/>
                 <a:cs typeface="Times New Roman" panose="02020603050405020304" pitchFamily="18" charset="0"/>
               </a:rPr>
-              <a:t>models </a:t>
+              <a:t>Decision Tree models </a:t>
             </a:r>
           </a:p>
         </p:txBody>
@@ -7407,16 +7348,12 @@
           <a:p>
             <a:pPr algn="ctr"/>
             <a:r>
-              <a:rPr lang="en-US" sz="1400" dirty="0" smtClean="0">
+              <a:rPr lang="en-US" sz="1400" dirty="0">
                 <a:latin typeface="Times New Roman" panose="02020603050405020304" pitchFamily="18" charset="0"/>
                 <a:cs typeface="Times New Roman" panose="02020603050405020304" pitchFamily="18" charset="0"/>
               </a:rPr>
               <a:t>LSTM neural network</a:t>
             </a:r>
-            <a:endParaRPr lang="en-US" sz="1400" dirty="0">
-              <a:latin typeface="Times New Roman" panose="02020603050405020304" pitchFamily="18" charset="0"/>
-              <a:cs typeface="Times New Roman" panose="02020603050405020304" pitchFamily="18" charset="0"/>
-            </a:endParaRPr>
           </a:p>
         </p:txBody>
       </p:sp>
@@ -7450,16 +7387,12 @@
           <a:p>
             <a:pPr algn="ctr"/>
             <a:r>
-              <a:rPr lang="en-US" sz="1400" dirty="0" smtClean="0">
+              <a:rPr lang="en-US" sz="1400" dirty="0">
                 <a:latin typeface="Times New Roman" panose="02020603050405020304" pitchFamily="18" charset="0"/>
                 <a:cs typeface="Times New Roman" panose="02020603050405020304" pitchFamily="18" charset="0"/>
               </a:rPr>
               <a:t>Logistic regression</a:t>
             </a:r>
-            <a:endParaRPr lang="en-US" sz="1400" dirty="0">
-              <a:latin typeface="Times New Roman" panose="02020603050405020304" pitchFamily="18" charset="0"/>
-              <a:cs typeface="Times New Roman" panose="02020603050405020304" pitchFamily="18" charset="0"/>
-            </a:endParaRPr>
           </a:p>
         </p:txBody>
       </p:sp>
@@ -7493,16 +7426,12 @@
           <a:p>
             <a:pPr algn="ctr"/>
             <a:r>
-              <a:rPr lang="en-US" sz="1400" dirty="0" smtClean="0">
+              <a:rPr lang="en-US" sz="1400" dirty="0">
                 <a:latin typeface="Times New Roman" panose="02020603050405020304" pitchFamily="18" charset="0"/>
                 <a:cs typeface="Times New Roman" panose="02020603050405020304" pitchFamily="18" charset="0"/>
               </a:rPr>
               <a:t>Capsule neural network</a:t>
             </a:r>
-            <a:endParaRPr lang="en-US" sz="1400" dirty="0">
-              <a:latin typeface="Times New Roman" panose="02020603050405020304" pitchFamily="18" charset="0"/>
-              <a:cs typeface="Times New Roman" panose="02020603050405020304" pitchFamily="18" charset="0"/>
-            </a:endParaRPr>
           </a:p>
         </p:txBody>
       </p:sp>
@@ -7609,7 +7538,7 @@
               <a:t>(</a:t>
             </a:r>
             <a:r>
-              <a:rPr lang="en-US" sz="1400" dirty="0" err="1" smtClean="0">
+              <a:rPr lang="en-US" sz="1400" dirty="0" err="1">
                 <a:latin typeface="Times New Roman" panose="02020603050405020304" pitchFamily="18" charset="0"/>
                 <a:cs typeface="Times New Roman" panose="02020603050405020304" pitchFamily="18" charset="0"/>
               </a:rPr>
@@ -7674,13 +7603,6 @@
   <p:clrMapOvr>
     <a:masterClrMapping/>
   </p:clrMapOvr>
-  <p:timing>
-    <p:tnLst>
-      <p:par>
-        <p:cTn id="1" dur="indefinite" restart="never" nodeType="tmRoot"/>
-      </p:par>
-    </p:tnLst>
-  </p:timing>
 </p:sld>
 </file>
 
@@ -7724,13 +7646,6 @@
           </a:bodyPr>
           <a:lstStyle/>
           <a:p>
-            <a:r>
-              <a:rPr lang="en-US" b="1" dirty="0">
-                <a:latin typeface="Times New Roman" panose="02020603050405020304" pitchFamily="18" charset="0"/>
-                <a:cs typeface="Times New Roman" panose="02020603050405020304" pitchFamily="18" charset="0"/>
-              </a:rPr>
-              <a:t/>
-            </a:r>
             <a:br>
               <a:rPr lang="en-US" b="1" dirty="0">
                 <a:latin typeface="Times New Roman" panose="02020603050405020304" pitchFamily="18" charset="0"/>
@@ -7745,7 +7660,7 @@
               <a:t>Implementation</a:t>
             </a:r>
             <a:r>
-              <a:rPr lang="ru-RU" dirty="0" smtClean="0">
+              <a:rPr lang="ru-RU" dirty="0">
                 <a:latin typeface="Times New Roman" panose="02020603050405020304" pitchFamily="18" charset="0"/>
                 <a:cs typeface="Times New Roman" panose="02020603050405020304" pitchFamily="18" charset="0"/>
               </a:rPr>
@@ -7793,13 +7708,6 @@
   <p:clrMapOvr>
     <a:masterClrMapping/>
   </p:clrMapOvr>
-  <p:timing>
-    <p:tnLst>
-      <p:par>
-        <p:cTn id="1" dur="indefinite" restart="never" nodeType="tmRoot"/>
-      </p:par>
-    </p:tnLst>
-  </p:timing>
 </p:sld>
 </file>
 
@@ -7886,60 +7794,50 @@
               <a:buNone/>
             </a:pPr>
             <a:r>
-              <a:rPr lang="en-US" sz="3200" b="1" dirty="0" smtClean="0"/>
+              <a:rPr lang="en-US" sz="3200" b="1" dirty="0"/>
               <a:t>Python</a:t>
             </a:r>
             <a:r>
-              <a:rPr lang="en-US" dirty="0" smtClean="0"/>
+              <a:rPr lang="en-US" dirty="0"/>
               <a:t> </a:t>
             </a:r>
           </a:p>
           <a:p>
             <a:r>
-              <a:rPr lang="en-US" dirty="0" smtClean="0"/>
-              <a:t>model </a:t>
-            </a:r>
-            <a:r>
               <a:rPr lang="en-US" dirty="0"/>
-              <a:t>building </a:t>
+              <a:t>model building </a:t>
             </a:r>
           </a:p>
           <a:p>
             <a:pPr marL="0" indent="0">
               <a:buNone/>
             </a:pPr>
-            <a:endParaRPr lang="en-US" b="1" dirty="0" smtClean="0"/>
+            <a:endParaRPr lang="en-US" b="1" dirty="0"/>
           </a:p>
           <a:p>
             <a:pPr marL="0" indent="0">
               <a:buNone/>
             </a:pPr>
             <a:r>
-              <a:rPr lang="en-US" sz="3200" b="1" dirty="0" smtClean="0"/>
+              <a:rPr lang="en-US" sz="3200" b="1" dirty="0"/>
               <a:t>R</a:t>
             </a:r>
             <a:r>
-              <a:rPr lang="en-US" dirty="0" smtClean="0"/>
+              <a:rPr lang="en-US" dirty="0"/>
               <a:t> </a:t>
             </a:r>
-            <a:endParaRPr lang="en-US" dirty="0"/>
-          </a:p>
-          <a:p>
-            <a:r>
-              <a:rPr lang="en-US" dirty="0" smtClean="0"/>
+          </a:p>
+          <a:p>
+            <a:r>
+              <a:rPr lang="en-US" dirty="0"/>
               <a:t>Exploration and data analysis</a:t>
             </a:r>
           </a:p>
           <a:p>
             <a:r>
               <a:rPr lang="en-US" dirty="0"/>
-              <a:t>S</a:t>
-            </a:r>
-            <a:r>
-              <a:rPr lang="en-US" dirty="0" smtClean="0"/>
-              <a:t>tatistical analysis</a:t>
-            </a:r>
-            <a:endParaRPr lang="en-US" dirty="0"/>
+              <a:t>Statistical analysis</a:t>
+            </a:r>
           </a:p>
           <a:p>
             <a:pPr marL="514350" indent="-514350">
@@ -8019,13 +7917,6 @@
   <p:clrMapOvr>
     <a:masterClrMapping/>
   </p:clrMapOvr>
-  <p:timing>
-    <p:tnLst>
-      <p:par>
-        <p:cTn id="1" dur="indefinite" restart="never" nodeType="tmRoot"/>
-      </p:par>
-    </p:tnLst>
-  </p:timing>
 </p:sld>
 </file>
 
@@ -8107,7 +7998,7 @@
                 <a14:useLocalDpi xmlns:a14="http://schemas.microsoft.com/office/drawing/2010/main" val="0"/>
               </a:ext>
               <a:ext uri="{96DAC541-7B7A-43D3-8B79-37D633B846F1}">
-                <asvg:svgBlip xmlns="" xmlns:asvg="http://schemas.microsoft.com/office/drawing/2016/SVG/main" r:embed="rId3"/>
+                <asvg:svgBlip xmlns:asvg="http://schemas.microsoft.com/office/drawing/2016/SVG/main" r:embed="rId3"/>
               </a:ext>
             </a:extLst>
           </a:blip>
@@ -8168,13 +8059,6 @@
   <p:clrMapOvr>
     <a:masterClrMapping/>
   </p:clrMapOvr>
-  <p:timing>
-    <p:tnLst>
-      <p:par>
-        <p:cTn id="1" dur="indefinite" restart="never" nodeType="tmRoot"/>
-      </p:par>
-    </p:tnLst>
-  </p:timing>
 </p:sld>
 </file>
 
@@ -8269,21 +8153,8 @@
                 <a:latin typeface="Times New Roman" panose="02020603050405020304" pitchFamily="18" charset="0"/>
                 <a:cs typeface="Times New Roman" panose="02020603050405020304" pitchFamily="18" charset="0"/>
               </a:rPr>
-              <a:t> </a:t>
-            </a:r>
-            <a:r>
-              <a:rPr lang="en-US" sz="3200" b="1" dirty="0" smtClean="0">
-                <a:latin typeface="Times New Roman" panose="02020603050405020304" pitchFamily="18" charset="0"/>
-                <a:cs typeface="Times New Roman" panose="02020603050405020304" pitchFamily="18" charset="0"/>
-              </a:rPr>
-              <a:t>learn</a:t>
-            </a:r>
-          </a:p>
-          <a:p>
-            <a:pPr marL="0" indent="0">
-              <a:buNone/>
-            </a:pPr>
-            <a:endParaRPr lang="en-US" dirty="0" smtClean="0"/>
+              <a:t> learn</a:t>
+            </a:r>
           </a:p>
           <a:p>
             <a:pPr marL="0" indent="0">
@@ -8295,7 +8166,7 @@
             <a:pPr marL="0" indent="0">
               <a:buNone/>
             </a:pPr>
-            <a:endParaRPr lang="en-US" dirty="0" smtClean="0"/>
+            <a:endParaRPr lang="en-US" dirty="0"/>
           </a:p>
           <a:p>
             <a:pPr marL="0" indent="0">
@@ -8307,11 +8178,17 @@
             <a:pPr marL="0" indent="0">
               <a:buNone/>
             </a:pPr>
-            <a:endParaRPr lang="en-US" dirty="0" smtClean="0"/>
-          </a:p>
-          <a:p>
-            <a:r>
-              <a:rPr lang="en-US" sz="3200" b="1" dirty="0" err="1" smtClean="0">
+            <a:endParaRPr lang="en-US" dirty="0"/>
+          </a:p>
+          <a:p>
+            <a:pPr marL="0" indent="0">
+              <a:buNone/>
+            </a:pPr>
+            <a:endParaRPr lang="en-US" dirty="0"/>
+          </a:p>
+          <a:p>
+            <a:r>
+              <a:rPr lang="en-US" sz="3200" b="1" dirty="0" err="1">
                 <a:latin typeface="Times New Roman" panose="02020603050405020304" pitchFamily="18" charset="0"/>
                 <a:cs typeface="Times New Roman" panose="02020603050405020304" pitchFamily="18" charset="0"/>
               </a:rPr>
@@ -8394,13 +8271,6 @@
   <p:clrMapOvr>
     <a:masterClrMapping/>
   </p:clrMapOvr>
-  <p:timing>
-    <p:tnLst>
-      <p:par>
-        <p:cTn id="1" dur="indefinite" restart="never" nodeType="tmRoot"/>
-      </p:par>
-    </p:tnLst>
-  </p:timing>
 </p:sld>
 </file>
 
@@ -8438,7 +8308,7 @@
           <a:p>
             <a:pPr algn="ctr"/>
             <a:r>
-              <a:rPr lang="en-US" dirty="0" smtClean="0"/>
+              <a:rPr lang="en-US" dirty="0"/>
               <a:t>Summary</a:t>
             </a:r>
             <a:endParaRPr lang="ru-RU" dirty="0"/>
@@ -8464,68 +8334,88 @@
               <a:buAutoNum type="arabicParenR"/>
             </a:pPr>
             <a:r>
-              <a:rPr lang="en-US" dirty="0" smtClean="0"/>
-              <a:t>10 </a:t>
-            </a:r>
-            <a:r>
               <a:rPr lang="en-US" dirty="0"/>
-              <a:t>introductory </a:t>
-            </a:r>
-            <a:r>
-              <a:rPr lang="en-US" dirty="0" smtClean="0"/>
-              <a:t>presentations</a:t>
-            </a:r>
-            <a:r>
-              <a:rPr lang="ru-RU" dirty="0" smtClean="0"/>
+              <a:t>10 introductory presentations</a:t>
+            </a:r>
+            <a:r>
+              <a:rPr lang="ru-RU" dirty="0"/>
               <a:t> </a:t>
             </a:r>
             <a:r>
               <a:rPr lang="en-US" dirty="0"/>
               <a:t>in machine learning</a:t>
             </a:r>
-            <a:endParaRPr lang="ru-RU" dirty="0" smtClean="0"/>
+            <a:endParaRPr lang="ru-RU" dirty="0"/>
           </a:p>
           <a:p>
             <a:pPr marL="514350" indent="-514350">
               <a:buAutoNum type="arabicParenR"/>
             </a:pPr>
-            <a:endParaRPr lang="en-US" dirty="0" smtClean="0"/>
+            <a:endParaRPr lang="en-US" dirty="0"/>
           </a:p>
           <a:p>
             <a:pPr marL="514350" indent="-514350">
               <a:buAutoNum type="arabicParenR"/>
             </a:pPr>
             <a:r>
-              <a:rPr lang="en-US" dirty="0" smtClean="0"/>
-              <a:t>Comparison </a:t>
-            </a:r>
-            <a:r>
               <a:rPr lang="en-US" dirty="0"/>
-              <a:t>table of machine learning </a:t>
-            </a:r>
-            <a:r>
-              <a:rPr lang="en-US" dirty="0" smtClean="0"/>
-              <a:t>algorithms</a:t>
+              <a:t>Comparison table of machine learning algorithms</a:t>
             </a:r>
           </a:p>
           <a:p>
             <a:pPr marL="514350" indent="-514350">
               <a:buAutoNum type="arabicParenR"/>
             </a:pPr>
-            <a:endParaRPr lang="en-US" dirty="0" smtClean="0"/>
+            <a:endParaRPr lang="en-US" dirty="0"/>
           </a:p>
           <a:p>
             <a:pPr marL="514350" indent="-514350">
               <a:buAutoNum type="arabicParenR"/>
             </a:pPr>
             <a:r>
-              <a:rPr lang="en-US" dirty="0" smtClean="0"/>
+              <a:rPr lang="en-US" dirty="0"/>
               <a:t>Random Forest model</a:t>
             </a:r>
             <a:endParaRPr lang="ru-RU" dirty="0"/>
           </a:p>
         </p:txBody>
       </p:sp>
+      <p:pic>
+        <p:nvPicPr>
+          <p:cNvPr id="5" name="Picture 4">
+            <a:extLst>
+              <a:ext uri="{FF2B5EF4-FFF2-40B4-BE49-F238E27FC236}">
+                <a16:creationId xmlns:a16="http://schemas.microsoft.com/office/drawing/2014/main" id="{0D22CC43-B2DC-420B-9057-2762320BFC38}"/>
+              </a:ext>
+            </a:extLst>
+          </p:cNvPr>
+          <p:cNvPicPr>
+            <a:picLocks noChangeAspect="1"/>
+          </p:cNvPicPr>
+          <p:nvPr/>
+        </p:nvPicPr>
+        <p:blipFill>
+          <a:blip r:embed="rId2">
+            <a:extLst>
+              <a:ext uri="{28A0092B-C50C-407E-A947-70E740481C1C}">
+                <a14:useLocalDpi xmlns:a14="http://schemas.microsoft.com/office/drawing/2010/main" val="0"/>
+              </a:ext>
+            </a:extLst>
+          </a:blip>
+          <a:stretch>
+            <a:fillRect/>
+          </a:stretch>
+        </p:blipFill>
+        <p:spPr>
+          <a:xfrm>
+            <a:off x="4848226" y="3629025"/>
+            <a:ext cx="6915150" cy="3086099"/>
+          </a:xfrm>
+          <a:prstGeom prst="rect">
+            <a:avLst/>
+          </a:prstGeom>
+        </p:spPr>
+      </p:pic>
     </p:spTree>
     <p:extLst>
       <p:ext uri="{BB962C8B-B14F-4D97-AF65-F5344CB8AC3E}">
@@ -8617,82 +8507,52 @@
               <a:t>Курсы</a:t>
             </a:r>
             <a:r>
-              <a:rPr lang="en-US" dirty="0" smtClean="0"/>
+              <a:rPr lang="en-US" dirty="0"/>
               <a:t>:</a:t>
             </a:r>
             <a:r>
-              <a:rPr lang="ru-RU" dirty="0" smtClean="0"/>
+              <a:rPr lang="ru-RU" dirty="0"/>
               <a:t> </a:t>
             </a:r>
           </a:p>
           <a:p>
-            <a:r>
-              <a:rPr lang="en-US" dirty="0" smtClean="0">
-                <a:hlinkClick r:id="rId2"/>
-              </a:rPr>
-              <a:t>https</a:t>
-            </a:r>
             <a:r>
               <a:rPr lang="en-US" dirty="0">
                 <a:hlinkClick r:id="rId2"/>
               </a:rPr>
-              <a:t>://mlcourse.ai</a:t>
-            </a:r>
-            <a:r>
-              <a:rPr lang="en-US" dirty="0" smtClean="0">
-                <a:hlinkClick r:id="rId2"/>
-              </a:rPr>
-              <a:t>/</a:t>
-            </a:r>
-            <a:endParaRPr lang="ru-RU" dirty="0" smtClean="0"/>
+              <a:t>https://mlcourse.ai/</a:t>
+            </a:r>
+            <a:endParaRPr lang="ru-RU" dirty="0"/>
           </a:p>
           <a:p>
             <a:r>
               <a:rPr lang="en-US" dirty="0">
                 <a:hlinkClick r:id="rId3"/>
               </a:rPr>
-              <a:t>https://</a:t>
-            </a:r>
-            <a:r>
-              <a:rPr lang="en-US" dirty="0" smtClean="0">
-                <a:hlinkClick r:id="rId3"/>
-              </a:rPr>
-              <a:t>ru.coursera.org/learn/ekonometrika</a:t>
-            </a:r>
-            <a:endParaRPr lang="ru-RU" dirty="0" smtClean="0"/>
+              <a:t>https://ru.coursera.org/learn/ekonometrika</a:t>
+            </a:r>
+            <a:endParaRPr lang="ru-RU" dirty="0"/>
           </a:p>
           <a:p>
             <a:r>
               <a:rPr lang="en-US" dirty="0">
                 <a:hlinkClick r:id="rId4"/>
               </a:rPr>
-              <a:t>https://</a:t>
-            </a:r>
-            <a:r>
-              <a:rPr lang="en-US" dirty="0" smtClean="0">
-                <a:hlinkClick r:id="rId4"/>
-              </a:rPr>
-              <a:t>ru.coursera.org/learn/supervised-learning</a:t>
-            </a:r>
-            <a:endParaRPr lang="ru-RU" dirty="0" smtClean="0"/>
+              <a:t>https://ru.coursera.org/learn/supervised-learning</a:t>
+            </a:r>
+            <a:endParaRPr lang="ru-RU" dirty="0"/>
           </a:p>
           <a:p>
             <a:r>
               <a:rPr lang="en-US" dirty="0">
                 <a:hlinkClick r:id="rId5"/>
               </a:rPr>
-              <a:t>https://</a:t>
-            </a:r>
-            <a:r>
-              <a:rPr lang="en-US" dirty="0" smtClean="0">
-                <a:hlinkClick r:id="rId5"/>
-              </a:rPr>
-              <a:t>ru.coursera.org/learn/data-analysis-applications</a:t>
-            </a:r>
-            <a:endParaRPr lang="ru-RU" dirty="0" smtClean="0"/>
-          </a:p>
-          <a:p>
-            <a:endParaRPr lang="ru-RU" dirty="0" smtClean="0"/>
+              <a:t>https://ru.coursera.org/learn/data-analysis-applications</a:t>
+            </a:r>
+            <a:endParaRPr lang="ru-RU" dirty="0"/>
+          </a:p>
+          <a:p>
+            <a:endParaRPr lang="ru-RU" dirty="0"/>
           </a:p>
           <a:p>
             <a:pPr marL="0" indent="0">
@@ -8711,35 +8571,27 @@
               <a:buNone/>
             </a:pPr>
             <a:r>
-              <a:rPr lang="ru-RU" dirty="0" smtClean="0"/>
+              <a:rPr lang="ru-RU" dirty="0"/>
               <a:t>Книги</a:t>
             </a:r>
             <a:r>
-              <a:rPr lang="en-US" dirty="0" smtClean="0"/>
+              <a:rPr lang="en-US" dirty="0"/>
               <a:t>:</a:t>
             </a:r>
-            <a:endParaRPr lang="ru-RU" dirty="0" smtClean="0"/>
-          </a:p>
-          <a:p>
-            <a:r>
-              <a:rPr lang="ru-RU" dirty="0" smtClean="0"/>
+            <a:endParaRPr lang="ru-RU" dirty="0"/>
+          </a:p>
+          <a:p>
+            <a:r>
+              <a:rPr lang="ru-RU" dirty="0"/>
               <a:t> </a:t>
             </a:r>
             <a:r>
-              <a:rPr lang="ru-RU" dirty="0" err="1" smtClean="0"/>
+              <a:rPr lang="ru-RU" dirty="0" err="1"/>
               <a:t>Саймон</a:t>
             </a:r>
             <a:r>
-              <a:rPr lang="ru-RU" dirty="0" smtClean="0"/>
-              <a:t> </a:t>
-            </a:r>
-            <a:r>
               <a:rPr lang="ru-RU" dirty="0"/>
-              <a:t>Хайкин: Нейронные сети. Полный </a:t>
-            </a:r>
-            <a:r>
-              <a:rPr lang="ru-RU" dirty="0" smtClean="0"/>
-              <a:t>курс</a:t>
+              <a:t> Хайкин: Нейронные сети. Полный курс</a:t>
             </a:r>
           </a:p>
           <a:p>
@@ -8766,13 +8618,12 @@
               <a:rPr lang="ru-RU" dirty="0"/>
               <a:t>: Глубокое обучение</a:t>
             </a:r>
-            <a:endParaRPr lang="ru-RU" dirty="0" smtClean="0"/>
           </a:p>
           <a:p>
             <a:pPr marL="0" indent="0">
               <a:buNone/>
             </a:pPr>
-            <a:endParaRPr lang="ru-RU" dirty="0" smtClean="0"/>
+            <a:endParaRPr lang="ru-RU" dirty="0"/>
           </a:p>
           <a:p>
             <a:pPr marL="0" indent="0">
@@ -8792,13 +8643,6 @@
   <p:clrMapOvr>
     <a:masterClrMapping/>
   </p:clrMapOvr>
-  <p:timing>
-    <p:tnLst>
-      <p:par>
-        <p:cTn id="1" dur="indefinite" restart="never" nodeType="tmRoot"/>
-      </p:par>
-    </p:tnLst>
-  </p:timing>
 </p:sld>
 </file>
 
@@ -8852,7 +8696,7 @@
                 <a16:creationId xmlns:a16="http://schemas.microsoft.com/office/drawing/2014/main" id="{8CD383F6-AFD0-44B1-AAE5-EB622C467AAA}"/>
               </a:ext>
               <a:ext uri="{C183D7F6-B498-43B3-948B-1728B52AA6E4}">
-                <adec:decorative xmlns="" xmlns:adec="http://schemas.microsoft.com/office/drawing/2017/decorative" val="0"/>
+                <adec:decorative xmlns:adec="http://schemas.microsoft.com/office/drawing/2017/decorative" val="0"/>
               </a:ext>
             </a:extLst>
           </p:cNvPr>
@@ -9175,16 +9019,12 @@
           <a:p>
             <a:pPr algn="ctr"/>
             <a:r>
-              <a:rPr lang="en-US" sz="2800" b="1" dirty="0" smtClean="0">
+              <a:rPr lang="en-US" sz="2800" b="1" dirty="0">
                 <a:latin typeface="Times New Roman" panose="02020603050405020304" pitchFamily="18" charset="0"/>
                 <a:cs typeface="Times New Roman" panose="02020603050405020304" pitchFamily="18" charset="0"/>
               </a:rPr>
               <a:t>Summary</a:t>
             </a:r>
-            <a:endParaRPr lang="en-US" sz="2800" b="1" dirty="0">
-              <a:latin typeface="Times New Roman" panose="02020603050405020304" pitchFamily="18" charset="0"/>
-              <a:cs typeface="Times New Roman" panose="02020603050405020304" pitchFamily="18" charset="0"/>
-            </a:endParaRPr>
           </a:p>
         </p:txBody>
       </p:sp>
@@ -9222,19 +9062,8 @@
                 <a:latin typeface="Times New Roman" panose="02020603050405020304" pitchFamily="18" charset="0"/>
                 <a:cs typeface="Times New Roman" panose="02020603050405020304" pitchFamily="18" charset="0"/>
               </a:rPr>
-              <a:t>I</a:t>
-            </a:r>
-            <a:r>
-              <a:rPr lang="en-US" sz="2400" b="1" dirty="0" smtClean="0">
-                <a:latin typeface="Times New Roman" panose="02020603050405020304" pitchFamily="18" charset="0"/>
-                <a:cs typeface="Times New Roman" panose="02020603050405020304" pitchFamily="18" charset="0"/>
-              </a:rPr>
-              <a:t>mplementation</a:t>
-            </a:r>
-            <a:endParaRPr lang="en-US" sz="2400" b="1" dirty="0">
-              <a:latin typeface="Times New Roman" panose="02020603050405020304" pitchFamily="18" charset="0"/>
-              <a:cs typeface="Times New Roman" panose="02020603050405020304" pitchFamily="18" charset="0"/>
-            </a:endParaRPr>
+              <a:t>Implementation</a:t>
+            </a:r>
           </a:p>
         </p:txBody>
       </p:sp>
@@ -9319,13 +9148,6 @@
   <p:clrMapOvr>
     <a:masterClrMapping/>
   </p:clrMapOvr>
-  <p:timing>
-    <p:tnLst>
-      <p:par>
-        <p:cTn id="1" dur="indefinite" restart="never" nodeType="tmRoot"/>
-      </p:par>
-    </p:tnLst>
-  </p:timing>
 </p:sld>
 </file>
 
@@ -9412,13 +9234,6 @@
   <p:clrMapOvr>
     <a:masterClrMapping/>
   </p:clrMapOvr>
-  <p:timing>
-    <p:tnLst>
-      <p:par>
-        <p:cTn id="1" dur="indefinite" restart="never" nodeType="tmRoot"/>
-      </p:par>
-    </p:tnLst>
-  </p:timing>
 </p:sld>
 </file>
 
@@ -9514,10 +9329,6 @@
                     </m:oMath>
                   </m:oMathPara>
                 </a14:m>
-                <a:r>
-                  <a:rPr lang="en-US" dirty="0"/>
-                  <a:t/>
-                </a:r>
                 <a:br>
                   <a:rPr lang="en-US" dirty="0"/>
                 </a:br>
@@ -9640,13 +9451,6 @@
   <p:clrMapOvr>
     <a:masterClrMapping/>
   </p:clrMapOvr>
-  <p:timing>
-    <p:tnLst>
-      <p:par>
-        <p:cTn id="1" dur="indefinite" restart="never" nodeType="tmRoot"/>
-      </p:par>
-    </p:tnLst>
-  </p:timing>
 </p:sld>
 </file>
 
@@ -9690,14 +9494,9 @@
           <a:p>
             <a:pPr algn="ctr"/>
             <a:r>
-              <a:rPr lang="en-US" dirty="0" smtClean="0"/>
-              <a:t>Types </a:t>
-            </a:r>
-            <a:r>
               <a:rPr lang="en-US" dirty="0"/>
-              <a:t>of machine learning</a:t>
-            </a:r>
-            <a:endParaRPr lang="en-US" dirty="0"/>
+              <a:t>Types of machine learning</a:t>
+            </a:r>
           </a:p>
         </p:txBody>
       </p:sp>
@@ -10270,13 +10069,6 @@
   <p:clrMapOvr>
     <a:masterClrMapping/>
   </p:clrMapOvr>
-  <p:timing>
-    <p:tnLst>
-      <p:par>
-        <p:cTn id="1" dur="indefinite" restart="never" nodeType="tmRoot"/>
-      </p:par>
-    </p:tnLst>
-  </p:timing>
 </p:sld>
 </file>
 
@@ -10318,21 +10110,7 @@
                 <a:latin typeface="Times New Roman" panose="02020603050405020304" pitchFamily="18" charset="0"/>
                 <a:cs typeface="Times New Roman" panose="02020603050405020304" pitchFamily="18" charset="0"/>
               </a:rPr>
-              <a:t>T</a:t>
-            </a:r>
-            <a:r>
-              <a:rPr lang="en-US" dirty="0" smtClean="0">
-                <a:latin typeface="Times New Roman" panose="02020603050405020304" pitchFamily="18" charset="0"/>
-                <a:cs typeface="Times New Roman" panose="02020603050405020304" pitchFamily="18" charset="0"/>
-              </a:rPr>
-              <a:t>ypes </a:t>
-            </a:r>
-            <a:r>
-              <a:rPr lang="en-US" dirty="0">
-                <a:latin typeface="Times New Roman" panose="02020603050405020304" pitchFamily="18" charset="0"/>
-                <a:cs typeface="Times New Roman" panose="02020603050405020304" pitchFamily="18" charset="0"/>
-              </a:rPr>
-              <a:t>of tasks</a:t>
+              <a:t>Types of tasks</a:t>
             </a:r>
             <a:endParaRPr lang="ru-RU" dirty="0">
               <a:latin typeface="Times New Roman" panose="02020603050405020304" pitchFamily="18" charset="0"/>
@@ -11145,13 +10923,6 @@
   <p:clrMapOvr>
     <a:masterClrMapping/>
   </p:clrMapOvr>
-  <p:timing>
-    <p:tnLst>
-      <p:par>
-        <p:cTn id="1" dur="indefinite" restart="never" nodeType="tmRoot"/>
-      </p:par>
-    </p:tnLst>
-  </p:timing>
 </p:sld>
 </file>
 
@@ -11636,13 +11407,6 @@
   <p:clrMapOvr>
     <a:masterClrMapping/>
   </p:clrMapOvr>
-  <p:timing>
-    <p:tnLst>
-      <p:par>
-        <p:cTn id="1" dur="indefinite" restart="never" nodeType="tmRoot"/>
-      </p:par>
-    </p:tnLst>
-  </p:timing>
 </p:sld>
 </file>
 
@@ -12729,13 +12493,6 @@
   <p:clrMapOvr>
     <a:masterClrMapping/>
   </p:clrMapOvr>
-  <p:timing>
-    <p:tnLst>
-      <p:par>
-        <p:cTn id="1" dur="indefinite" restart="never" nodeType="tmRoot"/>
-      </p:par>
-    </p:tnLst>
-  </p:timing>
 </p:sld>
 </file>
 
@@ -13174,13 +12931,6 @@
   <p:clrMapOvr>
     <a:masterClrMapping/>
   </p:clrMapOvr>
-  <p:timing>
-    <p:tnLst>
-      <p:par>
-        <p:cTn id="1" dur="indefinite" restart="never" nodeType="tmRoot"/>
-      </p:par>
-    </p:tnLst>
-  </p:timing>
 </p:sld>
 </file>
 
